--- a/slides/02.pptx
+++ b/slides/02.pptx
@@ -124,6 +124,22 @@
       </a:defRPr>
     </a:lvl9pPr>
   </p:defaultTextStyle>
+  <p:extLst>
+    <p:ext uri="{EFAFB233-063F-42B5-8137-9DF3F51BA10A}">
+      <p15:sldGuideLst xmlns:p15="http://schemas.microsoft.com/office/powerpoint/2012/main">
+        <p15:guide id="1" orient="horz" pos="2160">
+          <p15:clr>
+            <a:srgbClr val="A4A3A4"/>
+          </p15:clr>
+        </p15:guide>
+        <p15:guide id="2" pos="2880">
+          <p15:clr>
+            <a:srgbClr val="A4A3A4"/>
+          </p15:clr>
+        </p15:guide>
+      </p15:sldGuideLst>
+    </p:ext>
+  </p:extLst>
 </p:presentation>
 </file>
 
@@ -209,7 +225,7 @@
           <a:p>
             <a:fld id="{2A94AA5B-A8EE-4DCD-80A3-7365DA41FF59}" type="datetimeFigureOut">
               <a:rPr lang="en-US" smtClean="0"/>
-              <a:t>1/19/2018</a:t>
+              <a:t>03/08/2018</a:t>
             </a:fld>
             <a:endParaRPr lang="en-US"/>
           </a:p>
@@ -628,6 +644,11 @@
         </p:txBody>
       </p:sp>
     </p:spTree>
+    <p:extLst>
+      <p:ext uri="{BB962C8B-B14F-4D97-AF65-F5344CB8AC3E}">
+        <p14:creationId xmlns:p14="http://schemas.microsoft.com/office/powerpoint/2010/main" val="3047109572"/>
+      </p:ext>
+    </p:extLst>
   </p:cSld>
   <p:clrMapOvr>
     <a:masterClrMapping/>
@@ -699,7 +720,7 @@
           <a:p>
             <a:fld id="{D33393BA-71B2-418D-8C60-58889831A0EC}" type="datetimeFigureOut">
               <a:rPr lang="en-US" smtClean="0"/>
-              <a:t>1/19/2018</a:t>
+              <a:t>03/08/2018</a:t>
             </a:fld>
             <a:endParaRPr lang="en-US"/>
           </a:p>
@@ -1022,7 +1043,7 @@
           <a:p>
             <a:fld id="{D33393BA-71B2-418D-8C60-58889831A0EC}" type="datetimeFigureOut">
               <a:rPr lang="en-US" smtClean="0"/>
-              <a:t>1/19/2018</a:t>
+              <a:t>03/08/2018</a:t>
             </a:fld>
             <a:endParaRPr lang="en-US"/>
           </a:p>
@@ -1214,7 +1235,7 @@
           <a:p>
             <a:fld id="{D33393BA-71B2-418D-8C60-58889831A0EC}" type="datetimeFigureOut">
               <a:rPr lang="en-US" smtClean="0"/>
-              <a:t>1/19/2018</a:t>
+              <a:t>03/08/2018</a:t>
             </a:fld>
             <a:endParaRPr lang="en-US"/>
           </a:p>
@@ -1382,7 +1403,7 @@
           <a:p>
             <a:fld id="{D33393BA-71B2-418D-8C60-58889831A0EC}" type="datetimeFigureOut">
               <a:rPr lang="en-US" smtClean="0"/>
-              <a:t>1/19/2018</a:t>
+              <a:t>03/08/2018</a:t>
             </a:fld>
             <a:endParaRPr lang="en-US"/>
           </a:p>
@@ -1560,7 +1581,7 @@
           <a:p>
             <a:fld id="{D33393BA-71B2-418D-8C60-58889831A0EC}" type="datetimeFigureOut">
               <a:rPr lang="en-US" smtClean="0"/>
-              <a:t>1/19/2018</a:t>
+              <a:t>03/08/2018</a:t>
             </a:fld>
             <a:endParaRPr lang="en-US"/>
           </a:p>
@@ -1852,7 +1873,7 @@
           <a:p>
             <a:fld id="{D33393BA-71B2-418D-8C60-58889831A0EC}" type="datetimeFigureOut">
               <a:rPr lang="en-US" smtClean="0"/>
-              <a:t>1/19/2018</a:t>
+              <a:t>03/08/2018</a:t>
             </a:fld>
             <a:endParaRPr lang="en-US"/>
           </a:p>
@@ -2122,7 +2143,7 @@
             <a:fld id="{8F97F932-D99A-4087-BFB1-EA42FAFC8D2C}" type="datetime1">
               <a:rPr lang="en-US" smtClean="0"/>
               <a:pPr/>
-              <a:t>1/19/2018</a:t>
+              <a:t>03/08/2018</a:t>
             </a:fld>
             <a:endParaRPr lang="en-US"/>
           </a:p>
@@ -2421,7 +2442,7 @@
           <a:p>
             <a:fld id="{D33393BA-71B2-418D-8C60-58889831A0EC}" type="datetimeFigureOut">
               <a:rPr lang="en-US" smtClean="0"/>
-              <a:t>1/19/2018</a:t>
+              <a:t>03/08/2018</a:t>
             </a:fld>
             <a:endParaRPr lang="en-US"/>
           </a:p>
@@ -2714,7 +2735,7 @@
           <a:p>
             <a:fld id="{D33393BA-71B2-418D-8C60-58889831A0EC}" type="datetimeFigureOut">
               <a:rPr lang="en-US" smtClean="0"/>
-              <a:t>1/19/2018</a:t>
+              <a:t>03/08/2018</a:t>
             </a:fld>
             <a:endParaRPr lang="en-US"/>
           </a:p>
@@ -3142,7 +3163,7 @@
           <a:p>
             <a:fld id="{D33393BA-71B2-418D-8C60-58889831A0EC}" type="datetimeFigureOut">
               <a:rPr lang="en-US" smtClean="0"/>
-              <a:t>1/19/2018</a:t>
+              <a:t>03/08/2018</a:t>
             </a:fld>
             <a:endParaRPr lang="en-US"/>
           </a:p>
@@ -3372,7 +3393,7 @@
           <a:p>
             <a:fld id="{D33393BA-71B2-418D-8C60-58889831A0EC}" type="datetimeFigureOut">
               <a:rPr lang="en-US" smtClean="0"/>
-              <a:t>1/19/2018</a:t>
+              <a:t>03/08/2018</a:t>
             </a:fld>
             <a:endParaRPr lang="en-US"/>
           </a:p>
@@ -3462,7 +3483,7 @@
           <a:p>
             <a:fld id="{D33393BA-71B2-418D-8C60-58889831A0EC}" type="datetimeFigureOut">
               <a:rPr lang="en-US" smtClean="0"/>
-              <a:t>1/19/2018</a:t>
+              <a:t>03/08/2018</a:t>
             </a:fld>
             <a:endParaRPr lang="en-US"/>
           </a:p>
@@ -3712,7 +3733,7 @@
           <a:p>
             <a:fld id="{D33393BA-71B2-418D-8C60-58889831A0EC}" type="datetimeFigureOut">
               <a:rPr lang="en-US" smtClean="0"/>
-              <a:t>1/19/2018</a:t>
+              <a:t>03/08/2018</a:t>
             </a:fld>
             <a:endParaRPr lang="en-US"/>
           </a:p>
@@ -4228,7 +4249,7 @@
           <a:p>
             <a:fld id="{D33393BA-71B2-418D-8C60-58889831A0EC}" type="datetimeFigureOut">
               <a:rPr lang="en-US" smtClean="0"/>
-              <a:t>1/19/2018</a:t>
+              <a:t>03/08/2018</a:t>
             </a:fld>
             <a:endParaRPr lang="en-US"/>
           </a:p>
@@ -4393,7 +4414,7 @@
           <a:p>
             <a:fld id="{D33393BA-71B2-418D-8C60-58889831A0EC}" type="datetimeFigureOut">
               <a:rPr lang="en-US" smtClean="0"/>
-              <a:t>1/19/2018</a:t>
+              <a:t>03/08/2018</a:t>
             </a:fld>
             <a:endParaRPr lang="en-US"/>
           </a:p>
@@ -4568,7 +4589,7 @@
           <a:p>
             <a:fld id="{D33393BA-71B2-418D-8C60-58889831A0EC}" type="datetimeFigureOut">
               <a:rPr lang="en-US" smtClean="0"/>
-              <a:t>1/19/2018</a:t>
+              <a:t>03/08/2018</a:t>
             </a:fld>
             <a:endParaRPr lang="en-US"/>
           </a:p>
@@ -4816,7 +4837,7 @@
           <a:p>
             <a:fld id="{D33393BA-71B2-418D-8C60-58889831A0EC}" type="datetimeFigureOut">
               <a:rPr lang="en-US" smtClean="0"/>
-              <a:t>1/19/2018</a:t>
+              <a:t>03/08/2018</a:t>
             </a:fld>
             <a:endParaRPr lang="en-US"/>
           </a:p>
@@ -5000,7 +5021,7 @@
             <a:fld id="{8F97F932-D99A-4087-BFB1-EA42FAFC8D2C}" type="datetime1">
               <a:rPr lang="en-US" smtClean="0"/>
               <a:pPr/>
-              <a:t>1/19/2018</a:t>
+              <a:t>03/08/2018</a:t>
             </a:fld>
             <a:endParaRPr lang="en-US"/>
           </a:p>
@@ -5263,7 +5284,7 @@
           <a:p>
             <a:fld id="{D33393BA-71B2-418D-8C60-58889831A0EC}" type="datetimeFigureOut">
               <a:rPr lang="en-US" smtClean="0"/>
-              <a:t>1/19/2018</a:t>
+              <a:t>03/08/2018</a:t>
             </a:fld>
             <a:endParaRPr lang="en-US"/>
           </a:p>
@@ -5611,7 +5632,7 @@
           <a:p>
             <a:fld id="{D33393BA-71B2-418D-8C60-58889831A0EC}" type="datetimeFigureOut">
               <a:rPr lang="en-US" smtClean="0"/>
-              <a:t>1/19/2018</a:t>
+              <a:t>03/08/2018</a:t>
             </a:fld>
             <a:endParaRPr lang="en-US"/>
           </a:p>
@@ -5859,7 +5880,7 @@
           <a:p>
             <a:fld id="{D33393BA-71B2-418D-8C60-58889831A0EC}" type="datetimeFigureOut">
               <a:rPr lang="en-US" smtClean="0"/>
-              <a:t>1/19/2018</a:t>
+              <a:t>03/08/2018</a:t>
             </a:fld>
             <a:endParaRPr lang="en-US"/>
           </a:p>
@@ -6123,7 +6144,7 @@
           <a:p>
             <a:fld id="{D33393BA-71B2-418D-8C60-58889831A0EC}" type="datetimeFigureOut">
               <a:rPr lang="en-US" smtClean="0"/>
-              <a:t>1/19/2018</a:t>
+              <a:t>03/08/2018</a:t>
             </a:fld>
             <a:endParaRPr lang="en-US"/>
           </a:p>
@@ -6350,7 +6371,7 @@
           <a:p>
             <a:fld id="{D33393BA-71B2-418D-8C60-58889831A0EC}" type="datetimeFigureOut">
               <a:rPr lang="en-US" smtClean="0"/>
-              <a:t>1/19/2018</a:t>
+              <a:t>03/08/2018</a:t>
             </a:fld>
             <a:endParaRPr lang="en-US"/>
           </a:p>
@@ -6440,7 +6461,7 @@
           <a:p>
             <a:fld id="{D33393BA-71B2-418D-8C60-58889831A0EC}" type="datetimeFigureOut">
               <a:rPr lang="en-US" smtClean="0"/>
-              <a:t>1/19/2018</a:t>
+              <a:t>03/08/2018</a:t>
             </a:fld>
             <a:endParaRPr lang="en-US"/>
           </a:p>
@@ -6728,7 +6749,7 @@
           <a:p>
             <a:fld id="{D33393BA-71B2-418D-8C60-58889831A0EC}" type="datetimeFigureOut">
               <a:rPr lang="en-US" smtClean="0"/>
-              <a:t>1/19/2018</a:t>
+              <a:t>03/08/2018</a:t>
             </a:fld>
             <a:endParaRPr lang="en-US"/>
           </a:p>
@@ -6997,7 +7018,7 @@
           <a:p>
             <a:fld id="{D33393BA-71B2-418D-8C60-58889831A0EC}" type="datetimeFigureOut">
               <a:rPr lang="en-US" smtClean="0"/>
-              <a:t>1/19/2018</a:t>
+              <a:t>03/08/2018</a:t>
             </a:fld>
             <a:endParaRPr lang="en-US"/>
           </a:p>
@@ -7162,7 +7183,7 @@
           <a:p>
             <a:fld id="{D33393BA-71B2-418D-8C60-58889831A0EC}" type="datetimeFigureOut">
               <a:rPr lang="en-US" smtClean="0"/>
-              <a:t>1/19/2018</a:t>
+              <a:t>03/08/2018</a:t>
             </a:fld>
             <a:endParaRPr lang="en-US"/>
           </a:p>
@@ -7337,7 +7358,7 @@
           <a:p>
             <a:fld id="{D33393BA-71B2-418D-8C60-58889831A0EC}" type="datetimeFigureOut">
               <a:rPr lang="en-US" smtClean="0"/>
-              <a:t>1/19/2018</a:t>
+              <a:t>03/08/2018</a:t>
             </a:fld>
             <a:endParaRPr lang="en-US"/>
           </a:p>
@@ -7624,7 +7645,7 @@
           <a:p>
             <a:fld id="{D33393BA-71B2-418D-8C60-58889831A0EC}" type="datetimeFigureOut">
               <a:rPr lang="en-US" smtClean="0"/>
-              <a:t>1/19/2018</a:t>
+              <a:t>03/08/2018</a:t>
             </a:fld>
             <a:endParaRPr lang="en-US"/>
           </a:p>
@@ -8063,7 +8084,7 @@
           <a:p>
             <a:fld id="{D33393BA-71B2-418D-8C60-58889831A0EC}" type="datetimeFigureOut">
               <a:rPr lang="en-US" smtClean="0"/>
-              <a:t>1/19/2018</a:t>
+              <a:t>03/08/2018</a:t>
             </a:fld>
             <a:endParaRPr lang="en-US"/>
           </a:p>
@@ -8193,7 +8214,7 @@
           <a:p>
             <a:fld id="{D33393BA-71B2-418D-8C60-58889831A0EC}" type="datetimeFigureOut">
               <a:rPr lang="en-US" smtClean="0"/>
-              <a:t>1/19/2018</a:t>
+              <a:t>03/08/2018</a:t>
             </a:fld>
             <a:endParaRPr lang="en-US"/>
           </a:p>
@@ -8300,7 +8321,7 @@
           <a:p>
             <a:fld id="{D33393BA-71B2-418D-8C60-58889831A0EC}" type="datetimeFigureOut">
               <a:rPr lang="en-US" smtClean="0"/>
-              <a:t>1/19/2018</a:t>
+              <a:t>03/08/2018</a:t>
             </a:fld>
             <a:endParaRPr lang="en-US"/>
           </a:p>
@@ -8589,7 +8610,7 @@
           <a:p>
             <a:fld id="{D33393BA-71B2-418D-8C60-58889831A0EC}" type="datetimeFigureOut">
               <a:rPr lang="en-US" smtClean="0"/>
-              <a:t>1/19/2018</a:t>
+              <a:t>03/08/2018</a:t>
             </a:fld>
             <a:endParaRPr lang="en-US"/>
           </a:p>
@@ -8858,7 +8879,7 @@
           <a:p>
             <a:fld id="{D33393BA-71B2-418D-8C60-58889831A0EC}" type="datetimeFigureOut">
               <a:rPr lang="en-US" smtClean="0"/>
-              <a:t>1/19/2018</a:t>
+              <a:t>03/08/2018</a:t>
             </a:fld>
             <a:endParaRPr lang="en-US"/>
           </a:p>
@@ -9118,7 +9139,7 @@
           <a:p>
             <a:fld id="{D33393BA-71B2-418D-8C60-58889831A0EC}" type="datetimeFigureOut">
               <a:rPr lang="en-US" smtClean="0"/>
-              <a:t>1/19/2018</a:t>
+              <a:t>03/08/2018</a:t>
             </a:fld>
             <a:endParaRPr lang="en-US"/>
           </a:p>
@@ -9959,7 +9980,7 @@
           <a:p>
             <a:fld id="{D33393BA-71B2-418D-8C60-58889831A0EC}" type="datetimeFigureOut">
               <a:rPr lang="en-US" smtClean="0"/>
-              <a:t>1/19/2018</a:t>
+              <a:t>03/08/2018</a:t>
             </a:fld>
             <a:endParaRPr lang="en-US"/>
           </a:p>
@@ -10640,7 +10661,7 @@
           <a:p>
             <a:fld id="{D33393BA-71B2-418D-8C60-58889831A0EC}" type="datetimeFigureOut">
               <a:rPr lang="en-US" smtClean="0"/>
-              <a:t>1/19/2018</a:t>
+              <a:t>03/08/2018</a:t>
             </a:fld>
             <a:endParaRPr lang="en-US"/>
           </a:p>
@@ -18720,8 +18741,19 @@
                 <a:latin typeface="Times New Roman" panose="02020603050405020304" pitchFamily="18" charset="0"/>
                 <a:cs typeface="Times New Roman" panose="02020603050405020304" pitchFamily="18" charset="0"/>
               </a:rPr>
-              <a:t>primary</a:t>
-            </a:r>
+              <a:t>Primary </a:t>
+            </a:r>
+            <a:r>
+              <a:rPr lang="en-US" sz="2800" i="1" smtClean="0">
+                <a:latin typeface="Times New Roman" panose="02020603050405020304" pitchFamily="18" charset="0"/>
+                <a:cs typeface="Times New Roman" panose="02020603050405020304" pitchFamily="18" charset="0"/>
+              </a:rPr>
+              <a:t>(save)</a:t>
+            </a:r>
+            <a:endParaRPr lang="en-US" sz="2800" i="1" dirty="0" smtClean="0">
+              <a:latin typeface="Times New Roman" panose="02020603050405020304" pitchFamily="18" charset="0"/>
+              <a:cs typeface="Times New Roman" panose="02020603050405020304" pitchFamily="18" charset="0"/>
+            </a:endParaRPr>
           </a:p>
           <a:p>
             <a:pPr marL="457200" indent="-457200">
